--- a/3. SQL/4. Aggregations/4. SQL Data Analysis - Aggregations, Function, Flow Control.pptx
+++ b/3. SQL/4. Aggregations/4. SQL Data Analysis - Aggregations, Function, Flow Control.pptx
@@ -33,7 +33,6 @@
     <p:sldId id="278" r:id="rId30"/>
     <p:sldId id="279" r:id="rId31"/>
     <p:sldId id="280" r:id="rId32"/>
-    <p:sldId id="281" r:id="rId33"/>
   </p:sldIdLst>
   <p:sldSz cx="12192000" cy="6858000"/>
   <p:notesSz cx="6858000" cy="9144000"/>
@@ -3182,9 +3181,13 @@
   <p:cSld>
     <p:bg>
       <p:bgPr>
-        <a:solidFill>
-          <a:srgbClr val="EDDACC"/>
-        </a:solidFill>
+        <a:blipFill rotWithShape="1">
+          <a:blip r:embed="rId2"/>
+          <a:srcRect l="0" t="0" r="0" b="0"/>
+          <a:stretch>
+            <a:fillRect/>
+          </a:stretch>
+        </a:blipFill>
       </p:bgPr>
     </p:bg>
     <p:spTree>
@@ -3201,38 +3204,9 @@
           <a:chExt cx="0" cy="0"/>
         </a:xfrm>
       </p:grpSpPr>
-      <p:pic>
-        <p:nvPicPr>
-          <p:cNvPr id="112" name="5f461d116006137.6059ac1f3a043.jpg" descr="5f461d116006137.6059ac1f3a043.jpg"/>
-          <p:cNvPicPr>
-            <a:picLocks noChangeAspect="1"/>
-          </p:cNvPicPr>
-          <p:nvPr/>
-        </p:nvPicPr>
-        <p:blipFill>
-          <a:blip r:embed="rId2">
-            <a:extLst/>
-          </a:blip>
-          <a:stretch>
-            <a:fillRect/>
-          </a:stretch>
-        </p:blipFill>
-        <p:spPr>
-          <a:xfrm>
-            <a:off x="-38625" y="-1281005"/>
-            <a:ext cx="12269250" cy="8179500"/>
-          </a:xfrm>
-          <a:prstGeom prst="rect">
-            <a:avLst/>
-          </a:prstGeom>
-          <a:ln w="12700">
-            <a:miter lim="400000"/>
-          </a:ln>
-        </p:spPr>
-      </p:pic>
       <p:sp>
         <p:nvSpPr>
-          <p:cNvPr id="113" name="SQL - Aggregations"/>
+          <p:cNvPr id="112" name="SQL - Aggregations"/>
           <p:cNvSpPr txBox="1"/>
           <p:nvPr/>
         </p:nvSpPr>
@@ -3295,9 +3269,13 @@
   <p:cSld>
     <p:bg>
       <p:bgPr>
-        <a:solidFill>
-          <a:srgbClr val="EDDACC"/>
-        </a:solidFill>
+        <a:blipFill rotWithShape="1">
+          <a:blip r:embed="rId2"/>
+          <a:srcRect l="0" t="0" r="0" b="0"/>
+          <a:stretch>
+            <a:fillRect/>
+          </a:stretch>
+        </a:blipFill>
       </p:bgPr>
     </p:bg>
     <p:spTree>
@@ -3314,38 +3292,9 @@
           <a:chExt cx="0" cy="0"/>
         </a:xfrm>
       </p:grpSpPr>
-      <p:pic>
-        <p:nvPicPr>
-          <p:cNvPr id="147" name="5f461d116006137.6059ac1f3a043.jpg" descr="5f461d116006137.6059ac1f3a043.jpg"/>
-          <p:cNvPicPr>
-            <a:picLocks noChangeAspect="1"/>
-          </p:cNvPicPr>
-          <p:nvPr/>
-        </p:nvPicPr>
-        <p:blipFill>
-          <a:blip r:embed="rId2">
-            <a:extLst/>
-          </a:blip>
-          <a:stretch>
-            <a:fillRect/>
-          </a:stretch>
-        </p:blipFill>
-        <p:spPr>
-          <a:xfrm>
-            <a:off x="-38625" y="-1281005"/>
-            <a:ext cx="12269250" cy="8179500"/>
-          </a:xfrm>
-          <a:prstGeom prst="rect">
-            <a:avLst/>
-          </a:prstGeom>
-          <a:ln w="12700">
-            <a:miter lim="400000"/>
-          </a:ln>
-        </p:spPr>
-      </p:pic>
       <p:sp>
         <p:nvSpPr>
-          <p:cNvPr id="148" name="Google Shape;55;p13"/>
+          <p:cNvPr id="138" name="Google Shape;55;p13"/>
           <p:cNvSpPr txBox="1"/>
           <p:nvPr>
             <p:ph type="title"/>
@@ -3392,7 +3341,7 @@
       </p:sp>
       <p:sp>
         <p:nvSpPr>
-          <p:cNvPr id="149" name="Google Shape;69;p14"/>
+          <p:cNvPr id="139" name="Google Shape;69;p14"/>
           <p:cNvSpPr txBox="1"/>
           <p:nvPr/>
         </p:nvSpPr>
@@ -3671,9 +3620,13 @@
   <p:cSld>
     <p:bg>
       <p:bgPr>
-        <a:solidFill>
-          <a:srgbClr val="EDDACC"/>
-        </a:solidFill>
+        <a:blipFill rotWithShape="1">
+          <a:blip r:embed="rId2"/>
+          <a:srcRect l="0" t="0" r="0" b="0"/>
+          <a:stretch>
+            <a:fillRect/>
+          </a:stretch>
+        </a:blipFill>
       </p:bgPr>
     </p:bg>
     <p:spTree>
@@ -3690,38 +3643,9 @@
           <a:chExt cx="0" cy="0"/>
         </a:xfrm>
       </p:grpSpPr>
-      <p:pic>
-        <p:nvPicPr>
-          <p:cNvPr id="151" name="5f461d116006137.6059ac1f3a043.jpg" descr="5f461d116006137.6059ac1f3a043.jpg"/>
-          <p:cNvPicPr>
-            <a:picLocks noChangeAspect="1"/>
-          </p:cNvPicPr>
-          <p:nvPr/>
-        </p:nvPicPr>
-        <p:blipFill>
-          <a:blip r:embed="rId2">
-            <a:extLst/>
-          </a:blip>
-          <a:stretch>
-            <a:fillRect/>
-          </a:stretch>
-        </p:blipFill>
-        <p:spPr>
-          <a:xfrm>
-            <a:off x="-38625" y="-1281005"/>
-            <a:ext cx="12269250" cy="8179500"/>
-          </a:xfrm>
-          <a:prstGeom prst="rect">
-            <a:avLst/>
-          </a:prstGeom>
-          <a:ln w="12700">
-            <a:miter lim="400000"/>
-          </a:ln>
-        </p:spPr>
-      </p:pic>
       <p:sp>
         <p:nvSpPr>
-          <p:cNvPr id="152" name="Google Shape;55;p13"/>
+          <p:cNvPr id="141" name="Google Shape;55;p13"/>
           <p:cNvSpPr txBox="1"/>
           <p:nvPr>
             <p:ph type="title"/>
@@ -3768,7 +3692,7 @@
       </p:sp>
       <p:sp>
         <p:nvSpPr>
-          <p:cNvPr id="153" name="Google Shape;69;p14"/>
+          <p:cNvPr id="142" name="Google Shape;69;p14"/>
           <p:cNvSpPr txBox="1"/>
           <p:nvPr/>
         </p:nvSpPr>
@@ -3951,9 +3875,13 @@
   <p:cSld>
     <p:bg>
       <p:bgPr>
-        <a:solidFill>
-          <a:srgbClr val="EDDACC"/>
-        </a:solidFill>
+        <a:blipFill rotWithShape="1">
+          <a:blip r:embed="rId2"/>
+          <a:srcRect l="0" t="0" r="0" b="0"/>
+          <a:stretch>
+            <a:fillRect/>
+          </a:stretch>
+        </a:blipFill>
       </p:bgPr>
     </p:bg>
     <p:spTree>
@@ -3970,38 +3898,9 @@
           <a:chExt cx="0" cy="0"/>
         </a:xfrm>
       </p:grpSpPr>
-      <p:pic>
-        <p:nvPicPr>
-          <p:cNvPr id="155" name="5f461d116006137.6059ac1f3a043.jpg" descr="5f461d116006137.6059ac1f3a043.jpg"/>
-          <p:cNvPicPr>
-            <a:picLocks noChangeAspect="1"/>
-          </p:cNvPicPr>
-          <p:nvPr/>
-        </p:nvPicPr>
-        <p:blipFill>
-          <a:blip r:embed="rId2">
-            <a:extLst/>
-          </a:blip>
-          <a:stretch>
-            <a:fillRect/>
-          </a:stretch>
-        </p:blipFill>
-        <p:spPr>
-          <a:xfrm>
-            <a:off x="-38625" y="-1281005"/>
-            <a:ext cx="12269250" cy="8179500"/>
-          </a:xfrm>
-          <a:prstGeom prst="rect">
-            <a:avLst/>
-          </a:prstGeom>
-          <a:ln w="12700">
-            <a:miter lim="400000"/>
-          </a:ln>
-        </p:spPr>
-      </p:pic>
       <p:sp>
         <p:nvSpPr>
-          <p:cNvPr id="156" name="Google Shape;55;p13"/>
+          <p:cNvPr id="144" name="Google Shape;55;p13"/>
           <p:cNvSpPr txBox="1"/>
           <p:nvPr>
             <p:ph type="title"/>
@@ -4048,7 +3947,7 @@
       </p:sp>
       <p:sp>
         <p:nvSpPr>
-          <p:cNvPr id="157" name="Google Shape;69;p14"/>
+          <p:cNvPr id="145" name="Google Shape;69;p14"/>
           <p:cNvSpPr txBox="1"/>
           <p:nvPr/>
         </p:nvSpPr>
@@ -4214,9 +4113,13 @@
   <p:cSld>
     <p:bg>
       <p:bgPr>
-        <a:solidFill>
-          <a:srgbClr val="EDDACC"/>
-        </a:solidFill>
+        <a:blipFill rotWithShape="1">
+          <a:blip r:embed="rId2"/>
+          <a:srcRect l="0" t="0" r="0" b="0"/>
+          <a:stretch>
+            <a:fillRect/>
+          </a:stretch>
+        </a:blipFill>
       </p:bgPr>
     </p:bg>
     <p:spTree>
@@ -4233,38 +4136,9 @@
           <a:chExt cx="0" cy="0"/>
         </a:xfrm>
       </p:grpSpPr>
-      <p:pic>
-        <p:nvPicPr>
-          <p:cNvPr id="159" name="5f461d116006137.6059ac1f3a043.jpg" descr="5f461d116006137.6059ac1f3a043.jpg"/>
-          <p:cNvPicPr>
-            <a:picLocks noChangeAspect="1"/>
-          </p:cNvPicPr>
-          <p:nvPr/>
-        </p:nvPicPr>
-        <p:blipFill>
-          <a:blip r:embed="rId2">
-            <a:extLst/>
-          </a:blip>
-          <a:stretch>
-            <a:fillRect/>
-          </a:stretch>
-        </p:blipFill>
-        <p:spPr>
-          <a:xfrm>
-            <a:off x="-38625" y="-1281005"/>
-            <a:ext cx="12269250" cy="8179500"/>
-          </a:xfrm>
-          <a:prstGeom prst="rect">
-            <a:avLst/>
-          </a:prstGeom>
-          <a:ln w="12700">
-            <a:miter lim="400000"/>
-          </a:ln>
-        </p:spPr>
-      </p:pic>
       <p:sp>
         <p:nvSpPr>
-          <p:cNvPr id="160" name="Google Shape;55;p13"/>
+          <p:cNvPr id="147" name="Google Shape;55;p13"/>
           <p:cNvSpPr txBox="1"/>
           <p:nvPr>
             <p:ph type="title"/>
@@ -4311,7 +4185,7 @@
       </p:sp>
       <p:sp>
         <p:nvSpPr>
-          <p:cNvPr id="161" name="Google Shape;69;p14"/>
+          <p:cNvPr id="148" name="Google Shape;69;p14"/>
           <p:cNvSpPr txBox="1"/>
           <p:nvPr/>
         </p:nvSpPr>
@@ -4466,9 +4340,13 @@
   <p:cSld>
     <p:bg>
       <p:bgPr>
-        <a:solidFill>
-          <a:srgbClr val="EDDACC"/>
-        </a:solidFill>
+        <a:blipFill rotWithShape="1">
+          <a:blip r:embed="rId2"/>
+          <a:srcRect l="0" t="0" r="0" b="0"/>
+          <a:stretch>
+            <a:fillRect/>
+          </a:stretch>
+        </a:blipFill>
       </p:bgPr>
     </p:bg>
     <p:spTree>
@@ -4485,38 +4363,9 @@
           <a:chExt cx="0" cy="0"/>
         </a:xfrm>
       </p:grpSpPr>
-      <p:pic>
-        <p:nvPicPr>
-          <p:cNvPr id="163" name="5f461d116006137.6059ac1f3a043.jpg" descr="5f461d116006137.6059ac1f3a043.jpg"/>
-          <p:cNvPicPr>
-            <a:picLocks noChangeAspect="1"/>
-          </p:cNvPicPr>
-          <p:nvPr/>
-        </p:nvPicPr>
-        <p:blipFill>
-          <a:blip r:embed="rId2">
-            <a:extLst/>
-          </a:blip>
-          <a:stretch>
-            <a:fillRect/>
-          </a:stretch>
-        </p:blipFill>
-        <p:spPr>
-          <a:xfrm>
-            <a:off x="-38625" y="-1281005"/>
-            <a:ext cx="12269250" cy="8179500"/>
-          </a:xfrm>
-          <a:prstGeom prst="rect">
-            <a:avLst/>
-          </a:prstGeom>
-          <a:ln w="12700">
-            <a:miter lim="400000"/>
-          </a:ln>
-        </p:spPr>
-      </p:pic>
       <p:sp>
         <p:nvSpPr>
-          <p:cNvPr id="164" name="Google Shape;55;p13"/>
+          <p:cNvPr id="150" name="Google Shape;55;p13"/>
           <p:cNvSpPr txBox="1"/>
           <p:nvPr>
             <p:ph type="title"/>
@@ -4563,7 +4412,7 @@
       </p:sp>
       <p:sp>
         <p:nvSpPr>
-          <p:cNvPr id="165" name="Google Shape;69;p14"/>
+          <p:cNvPr id="151" name="Google Shape;69;p14"/>
           <p:cNvSpPr txBox="1"/>
           <p:nvPr/>
         </p:nvSpPr>
@@ -4869,9 +4718,13 @@
   <p:cSld>
     <p:bg>
       <p:bgPr>
-        <a:solidFill>
-          <a:srgbClr val="EDDACC"/>
-        </a:solidFill>
+        <a:blipFill rotWithShape="1">
+          <a:blip r:embed="rId2"/>
+          <a:srcRect l="0" t="0" r="0" b="0"/>
+          <a:stretch>
+            <a:fillRect/>
+          </a:stretch>
+        </a:blipFill>
       </p:bgPr>
     </p:bg>
     <p:spTree>
@@ -4888,38 +4741,9 @@
           <a:chExt cx="0" cy="0"/>
         </a:xfrm>
       </p:grpSpPr>
-      <p:pic>
-        <p:nvPicPr>
-          <p:cNvPr id="167" name="5f461d116006137.6059ac1f3a043.jpg" descr="5f461d116006137.6059ac1f3a043.jpg"/>
-          <p:cNvPicPr>
-            <a:picLocks noChangeAspect="1"/>
-          </p:cNvPicPr>
-          <p:nvPr/>
-        </p:nvPicPr>
-        <p:blipFill>
-          <a:blip r:embed="rId2">
-            <a:extLst/>
-          </a:blip>
-          <a:stretch>
-            <a:fillRect/>
-          </a:stretch>
-        </p:blipFill>
-        <p:spPr>
-          <a:xfrm>
-            <a:off x="-38625" y="-1281005"/>
-            <a:ext cx="12269250" cy="8179500"/>
-          </a:xfrm>
-          <a:prstGeom prst="rect">
-            <a:avLst/>
-          </a:prstGeom>
-          <a:ln w="12700">
-            <a:miter lim="400000"/>
-          </a:ln>
-        </p:spPr>
-      </p:pic>
       <p:sp>
         <p:nvSpPr>
-          <p:cNvPr id="168" name="Google Shape;55;p13"/>
+          <p:cNvPr id="153" name="Google Shape;55;p13"/>
           <p:cNvSpPr txBox="1"/>
           <p:nvPr>
             <p:ph type="title"/>
@@ -4966,7 +4790,7 @@
       </p:sp>
       <p:sp>
         <p:nvSpPr>
-          <p:cNvPr id="169" name="Google Shape;69;p14"/>
+          <p:cNvPr id="154" name="Google Shape;69;p14"/>
           <p:cNvSpPr txBox="1"/>
           <p:nvPr/>
         </p:nvSpPr>
@@ -5121,9 +4945,13 @@
   <p:cSld>
     <p:bg>
       <p:bgPr>
-        <a:solidFill>
-          <a:srgbClr val="EDDACC"/>
-        </a:solidFill>
+        <a:blipFill rotWithShape="1">
+          <a:blip r:embed="rId2"/>
+          <a:srcRect l="0" t="0" r="0" b="0"/>
+          <a:stretch>
+            <a:fillRect/>
+          </a:stretch>
+        </a:blipFill>
       </p:bgPr>
     </p:bg>
     <p:spTree>
@@ -5140,38 +4968,9 @@
           <a:chExt cx="0" cy="0"/>
         </a:xfrm>
       </p:grpSpPr>
-      <p:pic>
-        <p:nvPicPr>
-          <p:cNvPr id="171" name="5f461d116006137.6059ac1f3a043.jpg" descr="5f461d116006137.6059ac1f3a043.jpg"/>
-          <p:cNvPicPr>
-            <a:picLocks noChangeAspect="1"/>
-          </p:cNvPicPr>
-          <p:nvPr/>
-        </p:nvPicPr>
-        <p:blipFill>
-          <a:blip r:embed="rId2">
-            <a:extLst/>
-          </a:blip>
-          <a:stretch>
-            <a:fillRect/>
-          </a:stretch>
-        </p:blipFill>
-        <p:spPr>
-          <a:xfrm>
-            <a:off x="-38625" y="-1281005"/>
-            <a:ext cx="12269250" cy="8179500"/>
-          </a:xfrm>
-          <a:prstGeom prst="rect">
-            <a:avLst/>
-          </a:prstGeom>
-          <a:ln w="12700">
-            <a:miter lim="400000"/>
-          </a:ln>
-        </p:spPr>
-      </p:pic>
       <p:sp>
         <p:nvSpPr>
-          <p:cNvPr id="172" name="Google Shape;55;p13"/>
+          <p:cNvPr id="156" name="Google Shape;55;p13"/>
           <p:cNvSpPr txBox="1"/>
           <p:nvPr>
             <p:ph type="title"/>
@@ -5211,7 +5010,7 @@
       </p:sp>
       <p:sp>
         <p:nvSpPr>
-          <p:cNvPr id="173" name="Google Shape;69;p14"/>
+          <p:cNvPr id="157" name="Google Shape;69;p14"/>
           <p:cNvSpPr txBox="1"/>
           <p:nvPr/>
         </p:nvSpPr>
@@ -5312,9 +5111,13 @@
   <p:cSld>
     <p:bg>
       <p:bgPr>
-        <a:solidFill>
-          <a:srgbClr val="EDDACC"/>
-        </a:solidFill>
+        <a:blipFill rotWithShape="1">
+          <a:blip r:embed="rId2"/>
+          <a:srcRect l="0" t="0" r="0" b="0"/>
+          <a:stretch>
+            <a:fillRect/>
+          </a:stretch>
+        </a:blipFill>
       </p:bgPr>
     </p:bg>
     <p:spTree>
@@ -5331,38 +5134,9 @@
           <a:chExt cx="0" cy="0"/>
         </a:xfrm>
       </p:grpSpPr>
-      <p:pic>
-        <p:nvPicPr>
-          <p:cNvPr id="175" name="5f461d116006137.6059ac1f3a043.jpg" descr="5f461d116006137.6059ac1f3a043.jpg"/>
-          <p:cNvPicPr>
-            <a:picLocks noChangeAspect="1"/>
-          </p:cNvPicPr>
-          <p:nvPr/>
-        </p:nvPicPr>
-        <p:blipFill>
-          <a:blip r:embed="rId2">
-            <a:extLst/>
-          </a:blip>
-          <a:stretch>
-            <a:fillRect/>
-          </a:stretch>
-        </p:blipFill>
-        <p:spPr>
-          <a:xfrm>
-            <a:off x="-38625" y="-1281005"/>
-            <a:ext cx="12269250" cy="8179500"/>
-          </a:xfrm>
-          <a:prstGeom prst="rect">
-            <a:avLst/>
-          </a:prstGeom>
-          <a:ln w="12700">
-            <a:miter lim="400000"/>
-          </a:ln>
-        </p:spPr>
-      </p:pic>
       <p:sp>
         <p:nvSpPr>
-          <p:cNvPr id="176" name="Google Shape;55;p13"/>
+          <p:cNvPr id="159" name="Google Shape;55;p13"/>
           <p:cNvSpPr txBox="1"/>
           <p:nvPr>
             <p:ph type="title"/>
@@ -5402,7 +5176,7 @@
       </p:sp>
       <p:sp>
         <p:nvSpPr>
-          <p:cNvPr id="177" name="Google Shape;69;p14"/>
+          <p:cNvPr id="160" name="Google Shape;69;p14"/>
           <p:cNvSpPr txBox="1"/>
           <p:nvPr/>
         </p:nvSpPr>
@@ -5638,9 +5412,13 @@
   <p:cSld>
     <p:bg>
       <p:bgPr>
-        <a:solidFill>
-          <a:srgbClr val="EDDACC"/>
-        </a:solidFill>
+        <a:blipFill rotWithShape="1">
+          <a:blip r:embed="rId2"/>
+          <a:srcRect l="0" t="0" r="0" b="0"/>
+          <a:stretch>
+            <a:fillRect/>
+          </a:stretch>
+        </a:blipFill>
       </p:bgPr>
     </p:bg>
     <p:spTree>
@@ -5657,38 +5435,9 @@
           <a:chExt cx="0" cy="0"/>
         </a:xfrm>
       </p:grpSpPr>
-      <p:pic>
-        <p:nvPicPr>
-          <p:cNvPr id="179" name="5f461d116006137.6059ac1f3a043.jpg" descr="5f461d116006137.6059ac1f3a043.jpg"/>
-          <p:cNvPicPr>
-            <a:picLocks noChangeAspect="1"/>
-          </p:cNvPicPr>
-          <p:nvPr/>
-        </p:nvPicPr>
-        <p:blipFill>
-          <a:blip r:embed="rId2">
-            <a:extLst/>
-          </a:blip>
-          <a:stretch>
-            <a:fillRect/>
-          </a:stretch>
-        </p:blipFill>
-        <p:spPr>
-          <a:xfrm>
-            <a:off x="-38625" y="-1281005"/>
-            <a:ext cx="12269250" cy="8179500"/>
-          </a:xfrm>
-          <a:prstGeom prst="rect">
-            <a:avLst/>
-          </a:prstGeom>
-          <a:ln w="12700">
-            <a:miter lim="400000"/>
-          </a:ln>
-        </p:spPr>
-      </p:pic>
       <p:sp>
         <p:nvSpPr>
-          <p:cNvPr id="180" name="Google Shape;55;p13"/>
+          <p:cNvPr id="162" name="Google Shape;55;p13"/>
           <p:cNvSpPr txBox="1"/>
           <p:nvPr>
             <p:ph type="title"/>
@@ -5735,7 +5484,7 @@
       </p:sp>
       <p:sp>
         <p:nvSpPr>
-          <p:cNvPr id="181" name="Google Shape;69;p14"/>
+          <p:cNvPr id="163" name="Google Shape;69;p14"/>
           <p:cNvSpPr txBox="1"/>
           <p:nvPr/>
         </p:nvSpPr>
@@ -6017,9 +5766,13 @@
   <p:cSld>
     <p:bg>
       <p:bgPr>
-        <a:solidFill>
-          <a:srgbClr val="EDDACC"/>
-        </a:solidFill>
+        <a:blipFill rotWithShape="1">
+          <a:blip r:embed="rId2"/>
+          <a:srcRect l="0" t="0" r="0" b="0"/>
+          <a:stretch>
+            <a:fillRect/>
+          </a:stretch>
+        </a:blipFill>
       </p:bgPr>
     </p:bg>
     <p:spTree>
@@ -6036,38 +5789,9 @@
           <a:chExt cx="0" cy="0"/>
         </a:xfrm>
       </p:grpSpPr>
-      <p:pic>
-        <p:nvPicPr>
-          <p:cNvPr id="183" name="5f461d116006137.6059ac1f3a043.jpg" descr="5f461d116006137.6059ac1f3a043.jpg"/>
-          <p:cNvPicPr>
-            <a:picLocks noChangeAspect="1"/>
-          </p:cNvPicPr>
-          <p:nvPr/>
-        </p:nvPicPr>
-        <p:blipFill>
-          <a:blip r:embed="rId2">
-            <a:extLst/>
-          </a:blip>
-          <a:stretch>
-            <a:fillRect/>
-          </a:stretch>
-        </p:blipFill>
-        <p:spPr>
-          <a:xfrm>
-            <a:off x="-38625" y="-1281005"/>
-            <a:ext cx="12269250" cy="8179500"/>
-          </a:xfrm>
-          <a:prstGeom prst="rect">
-            <a:avLst/>
-          </a:prstGeom>
-          <a:ln w="12700">
-            <a:miter lim="400000"/>
-          </a:ln>
-        </p:spPr>
-      </p:pic>
       <p:sp>
         <p:nvSpPr>
-          <p:cNvPr id="184" name="Google Shape;55;p13"/>
+          <p:cNvPr id="165" name="Google Shape;55;p13"/>
           <p:cNvSpPr txBox="1"/>
           <p:nvPr>
             <p:ph type="title"/>
@@ -6114,7 +5838,7 @@
       </p:sp>
       <p:sp>
         <p:nvSpPr>
-          <p:cNvPr id="185" name="Google Shape;69;p14"/>
+          <p:cNvPr id="166" name="Google Shape;69;p14"/>
           <p:cNvSpPr txBox="1"/>
           <p:nvPr/>
         </p:nvSpPr>
@@ -6314,9 +6038,13 @@
   <p:cSld>
     <p:bg>
       <p:bgPr>
-        <a:solidFill>
-          <a:srgbClr val="EDDACC"/>
-        </a:solidFill>
+        <a:blipFill rotWithShape="1">
+          <a:blip r:embed="rId2"/>
+          <a:srcRect l="0" t="0" r="0" b="0"/>
+          <a:stretch>
+            <a:fillRect/>
+          </a:stretch>
+        </a:blipFill>
       </p:bgPr>
     </p:bg>
     <p:spTree>
@@ -6333,38 +6061,9 @@
           <a:chExt cx="0" cy="0"/>
         </a:xfrm>
       </p:grpSpPr>
-      <p:pic>
-        <p:nvPicPr>
-          <p:cNvPr id="115" name="5f461d116006137.6059ac1f3a043.jpg" descr="5f461d116006137.6059ac1f3a043.jpg"/>
-          <p:cNvPicPr>
-            <a:picLocks noChangeAspect="1"/>
-          </p:cNvPicPr>
-          <p:nvPr/>
-        </p:nvPicPr>
-        <p:blipFill>
-          <a:blip r:embed="rId2">
-            <a:extLst/>
-          </a:blip>
-          <a:stretch>
-            <a:fillRect/>
-          </a:stretch>
-        </p:blipFill>
-        <p:spPr>
-          <a:xfrm>
-            <a:off x="-38625" y="-1281005"/>
-            <a:ext cx="12269250" cy="8179500"/>
-          </a:xfrm>
-          <a:prstGeom prst="rect">
-            <a:avLst/>
-          </a:prstGeom>
-          <a:ln w="12700">
-            <a:miter lim="400000"/>
-          </a:ln>
-        </p:spPr>
-      </p:pic>
       <p:sp>
         <p:nvSpPr>
-          <p:cNvPr id="116" name="Google Shape;55;p13"/>
+          <p:cNvPr id="114" name="Google Shape;55;p13"/>
           <p:cNvSpPr txBox="1"/>
           <p:nvPr>
             <p:ph type="title"/>
@@ -6404,7 +6103,7 @@
       </p:sp>
       <p:sp>
         <p:nvSpPr>
-          <p:cNvPr id="117" name="Google Shape;69;p14"/>
+          <p:cNvPr id="115" name="Google Shape;69;p14"/>
           <p:cNvSpPr txBox="1"/>
           <p:nvPr/>
         </p:nvSpPr>
@@ -6677,9 +6376,13 @@
   <p:cSld>
     <p:bg>
       <p:bgPr>
-        <a:solidFill>
-          <a:srgbClr val="EDDACC"/>
-        </a:solidFill>
+        <a:blipFill rotWithShape="1">
+          <a:blip r:embed="rId2"/>
+          <a:srcRect l="0" t="0" r="0" b="0"/>
+          <a:stretch>
+            <a:fillRect/>
+          </a:stretch>
+        </a:blipFill>
       </p:bgPr>
     </p:bg>
     <p:spTree>
@@ -6696,38 +6399,9 @@
           <a:chExt cx="0" cy="0"/>
         </a:xfrm>
       </p:grpSpPr>
-      <p:pic>
-        <p:nvPicPr>
-          <p:cNvPr id="187" name="5f461d116006137.6059ac1f3a043.jpg" descr="5f461d116006137.6059ac1f3a043.jpg"/>
-          <p:cNvPicPr>
-            <a:picLocks noChangeAspect="1"/>
-          </p:cNvPicPr>
-          <p:nvPr/>
-        </p:nvPicPr>
-        <p:blipFill>
-          <a:blip r:embed="rId2">
-            <a:extLst/>
-          </a:blip>
-          <a:stretch>
-            <a:fillRect/>
-          </a:stretch>
-        </p:blipFill>
-        <p:spPr>
-          <a:xfrm>
-            <a:off x="-38625" y="-1281005"/>
-            <a:ext cx="12269250" cy="8179500"/>
-          </a:xfrm>
-          <a:prstGeom prst="rect">
-            <a:avLst/>
-          </a:prstGeom>
-          <a:ln w="12700">
-            <a:miter lim="400000"/>
-          </a:ln>
-        </p:spPr>
-      </p:pic>
       <p:sp>
         <p:nvSpPr>
-          <p:cNvPr id="188" name="Google Shape;55;p13"/>
+          <p:cNvPr id="168" name="Google Shape;55;p13"/>
           <p:cNvSpPr txBox="1"/>
           <p:nvPr>
             <p:ph type="title"/>
@@ -6774,7 +6448,7 @@
       </p:sp>
       <p:sp>
         <p:nvSpPr>
-          <p:cNvPr id="189" name="Google Shape;69;p14"/>
+          <p:cNvPr id="169" name="Google Shape;69;p14"/>
           <p:cNvSpPr txBox="1"/>
           <p:nvPr/>
         </p:nvSpPr>
@@ -7102,9 +6776,13 @@
   <p:cSld>
     <p:bg>
       <p:bgPr>
-        <a:solidFill>
-          <a:srgbClr val="EDDACC"/>
-        </a:solidFill>
+        <a:blipFill rotWithShape="1">
+          <a:blip r:embed="rId2"/>
+          <a:srcRect l="0" t="0" r="0" b="0"/>
+          <a:stretch>
+            <a:fillRect/>
+          </a:stretch>
+        </a:blipFill>
       </p:bgPr>
     </p:bg>
     <p:spTree>
@@ -7121,38 +6799,9 @@
           <a:chExt cx="0" cy="0"/>
         </a:xfrm>
       </p:grpSpPr>
-      <p:pic>
-        <p:nvPicPr>
-          <p:cNvPr id="191" name="5f461d116006137.6059ac1f3a043.jpg" descr="5f461d116006137.6059ac1f3a043.jpg"/>
-          <p:cNvPicPr>
-            <a:picLocks noChangeAspect="1"/>
-          </p:cNvPicPr>
-          <p:nvPr/>
-        </p:nvPicPr>
-        <p:blipFill>
-          <a:blip r:embed="rId2">
-            <a:extLst/>
-          </a:blip>
-          <a:stretch>
-            <a:fillRect/>
-          </a:stretch>
-        </p:blipFill>
-        <p:spPr>
-          <a:xfrm>
-            <a:off x="-38625" y="-1281005"/>
-            <a:ext cx="12269250" cy="8179500"/>
-          </a:xfrm>
-          <a:prstGeom prst="rect">
-            <a:avLst/>
-          </a:prstGeom>
-          <a:ln w="12700">
-            <a:miter lim="400000"/>
-          </a:ln>
-        </p:spPr>
-      </p:pic>
       <p:sp>
         <p:nvSpPr>
-          <p:cNvPr id="192" name="Google Shape;55;p13"/>
+          <p:cNvPr id="171" name="Google Shape;55;p13"/>
           <p:cNvSpPr txBox="1"/>
           <p:nvPr>
             <p:ph type="title"/>
@@ -7199,7 +6848,7 @@
       </p:sp>
       <p:sp>
         <p:nvSpPr>
-          <p:cNvPr id="193" name="Google Shape;69;p14"/>
+          <p:cNvPr id="172" name="Google Shape;69;p14"/>
           <p:cNvSpPr txBox="1"/>
           <p:nvPr/>
         </p:nvSpPr>
@@ -7601,9 +7250,13 @@
   <p:cSld>
     <p:bg>
       <p:bgPr>
-        <a:solidFill>
-          <a:srgbClr val="EDDACC"/>
-        </a:solidFill>
+        <a:blipFill rotWithShape="1">
+          <a:blip r:embed="rId2"/>
+          <a:srcRect l="0" t="0" r="0" b="0"/>
+          <a:stretch>
+            <a:fillRect/>
+          </a:stretch>
+        </a:blipFill>
       </p:bgPr>
     </p:bg>
     <p:spTree>
@@ -7620,38 +7273,9 @@
           <a:chExt cx="0" cy="0"/>
         </a:xfrm>
       </p:grpSpPr>
-      <p:pic>
-        <p:nvPicPr>
-          <p:cNvPr id="195" name="5f461d116006137.6059ac1f3a043.jpg" descr="5f461d116006137.6059ac1f3a043.jpg"/>
-          <p:cNvPicPr>
-            <a:picLocks noChangeAspect="1"/>
-          </p:cNvPicPr>
-          <p:nvPr/>
-        </p:nvPicPr>
-        <p:blipFill>
-          <a:blip r:embed="rId2">
-            <a:extLst/>
-          </a:blip>
-          <a:stretch>
-            <a:fillRect/>
-          </a:stretch>
-        </p:blipFill>
-        <p:spPr>
-          <a:xfrm>
-            <a:off x="-38625" y="-1281005"/>
-            <a:ext cx="12269250" cy="8179500"/>
-          </a:xfrm>
-          <a:prstGeom prst="rect">
-            <a:avLst/>
-          </a:prstGeom>
-          <a:ln w="12700">
-            <a:miter lim="400000"/>
-          </a:ln>
-        </p:spPr>
-      </p:pic>
       <p:sp>
         <p:nvSpPr>
-          <p:cNvPr id="196" name="Google Shape;55;p13"/>
+          <p:cNvPr id="174" name="Google Shape;55;p13"/>
           <p:cNvSpPr txBox="1"/>
           <p:nvPr>
             <p:ph type="title"/>
@@ -7691,7 +7315,7 @@
       </p:sp>
       <p:sp>
         <p:nvSpPr>
-          <p:cNvPr id="197" name="Google Shape;69;p14"/>
+          <p:cNvPr id="175" name="Google Shape;69;p14"/>
           <p:cNvSpPr txBox="1"/>
           <p:nvPr/>
         </p:nvSpPr>
@@ -7761,9 +7385,13 @@
   <p:cSld>
     <p:bg>
       <p:bgPr>
-        <a:solidFill>
-          <a:srgbClr val="EDDACC"/>
-        </a:solidFill>
+        <a:blipFill rotWithShape="1">
+          <a:blip r:embed="rId2"/>
+          <a:srcRect l="0" t="0" r="0" b="0"/>
+          <a:stretch>
+            <a:fillRect/>
+          </a:stretch>
+        </a:blipFill>
       </p:bgPr>
     </p:bg>
     <p:spTree>
@@ -7780,38 +7408,9 @@
           <a:chExt cx="0" cy="0"/>
         </a:xfrm>
       </p:grpSpPr>
-      <p:pic>
-        <p:nvPicPr>
-          <p:cNvPr id="199" name="5f461d116006137.6059ac1f3a043.jpg" descr="5f461d116006137.6059ac1f3a043.jpg"/>
-          <p:cNvPicPr>
-            <a:picLocks noChangeAspect="1"/>
-          </p:cNvPicPr>
-          <p:nvPr/>
-        </p:nvPicPr>
-        <p:blipFill>
-          <a:blip r:embed="rId2">
-            <a:extLst/>
-          </a:blip>
-          <a:stretch>
-            <a:fillRect/>
-          </a:stretch>
-        </p:blipFill>
-        <p:spPr>
-          <a:xfrm>
-            <a:off x="-38625" y="-1281005"/>
-            <a:ext cx="12269250" cy="8179500"/>
-          </a:xfrm>
-          <a:prstGeom prst="rect">
-            <a:avLst/>
-          </a:prstGeom>
-          <a:ln w="12700">
-            <a:miter lim="400000"/>
-          </a:ln>
-        </p:spPr>
-      </p:pic>
       <p:sp>
         <p:nvSpPr>
-          <p:cNvPr id="200" name="Google Shape;55;p13"/>
+          <p:cNvPr id="177" name="Google Shape;55;p13"/>
           <p:cNvSpPr txBox="1"/>
           <p:nvPr>
             <p:ph type="title"/>
@@ -7858,7 +7457,7 @@
       </p:sp>
       <p:sp>
         <p:nvSpPr>
-          <p:cNvPr id="201" name="Google Shape;69;p14"/>
+          <p:cNvPr id="178" name="Google Shape;69;p14"/>
           <p:cNvSpPr txBox="1"/>
           <p:nvPr/>
         </p:nvSpPr>
@@ -8224,9 +7823,13 @@
   <p:cSld>
     <p:bg>
       <p:bgPr>
-        <a:solidFill>
-          <a:srgbClr val="EDDACC"/>
-        </a:solidFill>
+        <a:blipFill rotWithShape="1">
+          <a:blip r:embed="rId2"/>
+          <a:srcRect l="0" t="0" r="0" b="0"/>
+          <a:stretch>
+            <a:fillRect/>
+          </a:stretch>
+        </a:blipFill>
       </p:bgPr>
     </p:bg>
     <p:spTree>
@@ -8243,38 +7846,9 @@
           <a:chExt cx="0" cy="0"/>
         </a:xfrm>
       </p:grpSpPr>
-      <p:pic>
-        <p:nvPicPr>
-          <p:cNvPr id="203" name="5f461d116006137.6059ac1f3a043.jpg" descr="5f461d116006137.6059ac1f3a043.jpg"/>
-          <p:cNvPicPr>
-            <a:picLocks noChangeAspect="1"/>
-          </p:cNvPicPr>
-          <p:nvPr/>
-        </p:nvPicPr>
-        <p:blipFill>
-          <a:blip r:embed="rId2">
-            <a:extLst/>
-          </a:blip>
-          <a:stretch>
-            <a:fillRect/>
-          </a:stretch>
-        </p:blipFill>
-        <p:spPr>
-          <a:xfrm>
-            <a:off x="-38625" y="-1281005"/>
-            <a:ext cx="12269250" cy="8179500"/>
-          </a:xfrm>
-          <a:prstGeom prst="rect">
-            <a:avLst/>
-          </a:prstGeom>
-          <a:ln w="12700">
-            <a:miter lim="400000"/>
-          </a:ln>
-        </p:spPr>
-      </p:pic>
       <p:sp>
         <p:nvSpPr>
-          <p:cNvPr id="204" name="Google Shape;55;p13"/>
+          <p:cNvPr id="180" name="Google Shape;55;p13"/>
           <p:cNvSpPr txBox="1"/>
           <p:nvPr>
             <p:ph type="title"/>
@@ -8321,7 +7895,7 @@
       </p:sp>
       <p:sp>
         <p:nvSpPr>
-          <p:cNvPr id="205" name="Google Shape;69;p14"/>
+          <p:cNvPr id="181" name="Google Shape;69;p14"/>
           <p:cNvSpPr txBox="1"/>
           <p:nvPr/>
         </p:nvSpPr>
@@ -8583,9 +8157,13 @@
   <p:cSld>
     <p:bg>
       <p:bgPr>
-        <a:solidFill>
-          <a:srgbClr val="EDDACC"/>
-        </a:solidFill>
+        <a:blipFill rotWithShape="1">
+          <a:blip r:embed="rId2"/>
+          <a:srcRect l="0" t="0" r="0" b="0"/>
+          <a:stretch>
+            <a:fillRect/>
+          </a:stretch>
+        </a:blipFill>
       </p:bgPr>
     </p:bg>
     <p:spTree>
@@ -8602,38 +8180,9 @@
           <a:chExt cx="0" cy="0"/>
         </a:xfrm>
       </p:grpSpPr>
-      <p:pic>
-        <p:nvPicPr>
-          <p:cNvPr id="207" name="5f461d116006137.6059ac1f3a043.jpg" descr="5f461d116006137.6059ac1f3a043.jpg"/>
-          <p:cNvPicPr>
-            <a:picLocks noChangeAspect="1"/>
-          </p:cNvPicPr>
-          <p:nvPr/>
-        </p:nvPicPr>
-        <p:blipFill>
-          <a:blip r:embed="rId2">
-            <a:extLst/>
-          </a:blip>
-          <a:stretch>
-            <a:fillRect/>
-          </a:stretch>
-        </p:blipFill>
-        <p:spPr>
-          <a:xfrm>
-            <a:off x="-38625" y="-1281005"/>
-            <a:ext cx="12269250" cy="8179500"/>
-          </a:xfrm>
-          <a:prstGeom prst="rect">
-            <a:avLst/>
-          </a:prstGeom>
-          <a:ln w="12700">
-            <a:miter lim="400000"/>
-          </a:ln>
-        </p:spPr>
-      </p:pic>
       <p:sp>
         <p:nvSpPr>
-          <p:cNvPr id="208" name="Google Shape;55;p13"/>
+          <p:cNvPr id="183" name="Google Shape;55;p13"/>
           <p:cNvSpPr txBox="1"/>
           <p:nvPr>
             <p:ph type="title"/>
@@ -8673,7 +8222,7 @@
       </p:sp>
       <p:sp>
         <p:nvSpPr>
-          <p:cNvPr id="209" name="Google Shape;69;p14"/>
+          <p:cNvPr id="184" name="Google Shape;69;p14"/>
           <p:cNvSpPr txBox="1"/>
           <p:nvPr/>
         </p:nvSpPr>
@@ -8738,14 +8287,18 @@
 </p:sld>
 </file>
 
-<file path=ppt/slides/slide26.xml><?xml version="1.0" encoding="utf-8"?>
+<file path=ppt/slides/slide3.xml><?xml version="1.0" encoding="utf-8"?>
 <p:sld xmlns:a="http://schemas.openxmlformats.org/drawingml/2006/main" xmlns:r="http://schemas.openxmlformats.org/officeDocument/2006/relationships" xmlns:p="http://schemas.openxmlformats.org/presentationml/2006/main" xmlns:m="http://schemas.openxmlformats.org/officeDocument/2006/math" xmlns:a14="http://schemas.microsoft.com/office/drawing/2010/main" showMasterSp="1" showMasterPhAnim="1">
   <p:cSld>
     <p:bg>
       <p:bgPr>
-        <a:solidFill>
-          <a:srgbClr val="EDDACC"/>
-        </a:solidFill>
+        <a:blipFill rotWithShape="1">
+          <a:blip r:embed="rId2"/>
+          <a:srcRect l="0" t="0" r="0" b="0"/>
+          <a:stretch>
+            <a:fillRect/>
+          </a:stretch>
+        </a:blipFill>
       </p:bgPr>
     </p:bg>
     <p:spTree>
@@ -8764,337 +8317,7 @@
       </p:grpSpPr>
       <p:sp>
         <p:nvSpPr>
-          <p:cNvPr id="211" name="Google Shape;66;p14"/>
-          <p:cNvSpPr/>
-          <p:nvPr/>
-        </p:nvSpPr>
-        <p:spPr>
-          <a:xfrm>
-            <a:off x="-94867" y="-1"/>
-            <a:ext cx="12454400" cy="1822001"/>
-          </a:xfrm>
-          <a:prstGeom prst="rect">
-            <a:avLst/>
-          </a:prstGeom>
-          <a:solidFill>
-            <a:srgbClr val="264190"/>
-          </a:solidFill>
-          <a:ln w="38100">
-            <a:solidFill>
-              <a:srgbClr val="000000"/>
-            </a:solidFill>
-          </a:ln>
-        </p:spPr>
-        <p:txBody>
-          <a:bodyPr lIns="0" tIns="0" rIns="0" bIns="0" anchor="ctr"/>
-          <a:lstStyle/>
-          <a:p>
-            <a:pPr defTabSz="1219200">
-              <a:defRPr>
-                <a:solidFill>
-                  <a:srgbClr val="F5B679"/>
-                </a:solidFill>
-                <a:latin typeface="Arial"/>
-                <a:ea typeface="Arial"/>
-                <a:cs typeface="Arial"/>
-                <a:sym typeface="Arial"/>
-              </a:defRPr>
-            </a:pPr>
-          </a:p>
-        </p:txBody>
-      </p:sp>
-      <p:sp>
-        <p:nvSpPr>
-          <p:cNvPr id="212" name="Google Shape;67;p14"/>
-          <p:cNvSpPr/>
-          <p:nvPr/>
-        </p:nvSpPr>
-        <p:spPr>
-          <a:xfrm>
-            <a:off x="-189701" y="1764300"/>
-            <a:ext cx="12483202" cy="1"/>
-          </a:xfrm>
-          <a:prstGeom prst="line">
-            <a:avLst/>
-          </a:prstGeom>
-          <a:ln w="38100">
-            <a:solidFill>
-              <a:srgbClr val="000000"/>
-            </a:solidFill>
-          </a:ln>
-        </p:spPr>
-        <p:txBody>
-          <a:bodyPr lIns="0" tIns="0" rIns="0" bIns="0"/>
-          <a:lstStyle/>
-          <a:p>
-            <a:pPr defTabSz="1219200">
-              <a:defRPr>
-                <a:latin typeface="Arial"/>
-                <a:ea typeface="Arial"/>
-                <a:cs typeface="Arial"/>
-                <a:sym typeface="Arial"/>
-              </a:defRPr>
-            </a:pPr>
-          </a:p>
-        </p:txBody>
-      </p:sp>
-      <p:sp>
-        <p:nvSpPr>
-          <p:cNvPr id="213" name="2. Google Shape;68;p14"/>
-          <p:cNvSpPr txBox="1"/>
-          <p:nvPr>
-            <p:ph type="title"/>
-          </p:nvPr>
-        </p:nvSpPr>
-        <p:spPr>
-          <a:xfrm>
-            <a:off x="451933" y="294754"/>
-            <a:ext cx="11360801" cy="1232492"/>
-          </a:xfrm>
-          <a:prstGeom prst="rect">
-            <a:avLst/>
-          </a:prstGeom>
-        </p:spPr>
-        <p:txBody>
-          <a:bodyPr anchor="ctr"/>
-          <a:lstStyle>
-            <a:lvl1pPr>
-              <a:defRPr b="1" sz="6000">
-                <a:solidFill>
-                  <a:srgbClr val="FFFFFF"/>
-                </a:solidFill>
-              </a:defRPr>
-            </a:lvl1pPr>
-          </a:lstStyle>
-          <a:p>
-            <a:pPr/>
-            <a:r>
-              <a:t>Challenges</a:t>
-            </a:r>
-          </a:p>
-        </p:txBody>
-      </p:sp>
-      <p:sp>
-        <p:nvSpPr>
-          <p:cNvPr id="214" name="Google Shape;69;p14"/>
-          <p:cNvSpPr txBox="1"/>
-          <p:nvPr/>
-        </p:nvSpPr>
-        <p:spPr>
-          <a:xfrm>
-            <a:off x="36333" y="1861653"/>
-            <a:ext cx="12192001" cy="4867726"/>
-          </a:xfrm>
-          <a:prstGeom prst="rect">
-            <a:avLst/>
-          </a:prstGeom>
-          <a:ln w="12700">
-            <a:miter lim="400000"/>
-          </a:ln>
-          <a:extLst>
-            <a:ext uri="{C572A759-6A51-4108-AA02-DFA0A04FC94B}">
-              <ma14:wrappingTextBoxFlag xmlns:ma14="http://schemas.microsoft.com/office/mac/drawingml/2011/main" val="1"/>
-            </a:ext>
-          </a:extLst>
-        </p:spPr>
-        <p:txBody>
-          <a:bodyPr lIns="121899" tIns="121899" rIns="121899" bIns="121899">
-            <a:spAutoFit/>
-          </a:bodyPr>
-          <a:lstStyle/>
-          <a:p>
-            <a:pPr marL="514350" indent="-514350">
-              <a:lnSpc>
-                <a:spcPct val="110000"/>
-              </a:lnSpc>
-              <a:spcBef>
-                <a:spcPts val="500"/>
-              </a:spcBef>
-              <a:buSzPct val="100000"/>
-              <a:buAutoNum type="arabicPeriod" startAt="1"/>
-              <a:defRPr sz="2200">
-                <a:latin typeface="Arial"/>
-                <a:ea typeface="Arial"/>
-                <a:cs typeface="Arial"/>
-                <a:sym typeface="Arial"/>
-              </a:defRPr>
-            </a:pPr>
-            <a:r>
-              <a:t>Find the average amount spent per film rating. Return the film rating and the amount.</a:t>
-            </a:r>
-          </a:p>
-          <a:p>
-            <a:pPr marL="514350" indent="-514350">
-              <a:lnSpc>
-                <a:spcPct val="110000"/>
-              </a:lnSpc>
-              <a:spcBef>
-                <a:spcPts val="500"/>
-              </a:spcBef>
-              <a:buSzPct val="100000"/>
-              <a:buAutoNum type="arabicPeriod" startAt="1"/>
-              <a:defRPr sz="2200">
-                <a:latin typeface="Arial"/>
-                <a:ea typeface="Arial"/>
-                <a:cs typeface="Arial"/>
-                <a:sym typeface="Arial"/>
-              </a:defRPr>
-            </a:pPr>
-            <a:r>
-              <a:t>How many rented films have yet to be returned?</a:t>
-            </a:r>
-          </a:p>
-          <a:p>
-            <a:pPr marL="514350" indent="-514350">
-              <a:lnSpc>
-                <a:spcPct val="110000"/>
-              </a:lnSpc>
-              <a:spcBef>
-                <a:spcPts val="500"/>
-              </a:spcBef>
-              <a:buSzPct val="100000"/>
-              <a:buAutoNum type="arabicPeriod" startAt="1"/>
-              <a:defRPr sz="2200">
-                <a:latin typeface="Arial"/>
-                <a:ea typeface="Arial"/>
-                <a:cs typeface="Arial"/>
-                <a:sym typeface="Arial"/>
-              </a:defRPr>
-            </a:pPr>
-            <a:r>
-              <a:t>How many copies of the film ‘HUNCHBACK IMPOSSIBLE’ exist in the inventory system? Return the film id and title.</a:t>
-            </a:r>
-          </a:p>
-          <a:p>
-            <a:pPr marL="514350" indent="-514350">
-              <a:lnSpc>
-                <a:spcPct val="110000"/>
-              </a:lnSpc>
-              <a:spcBef>
-                <a:spcPts val="500"/>
-              </a:spcBef>
-              <a:buSzPct val="100000"/>
-              <a:buAutoNum type="arabicPeriod" startAt="1"/>
-              <a:defRPr sz="2200">
-                <a:latin typeface="Arial"/>
-                <a:ea typeface="Arial"/>
-                <a:cs typeface="Arial"/>
-                <a:sym typeface="Arial"/>
-              </a:defRPr>
-            </a:pPr>
-            <a:r>
-              <a:t>Advanced: Find the total income per store. Return the income per store, the first line of the store’s address and the first and last name of the store manager.</a:t>
-            </a:r>
-          </a:p>
-          <a:p>
-            <a:pPr marL="514350" indent="-514350">
-              <a:lnSpc>
-                <a:spcPct val="110000"/>
-              </a:lnSpc>
-              <a:spcBef>
-                <a:spcPts val="500"/>
-              </a:spcBef>
-              <a:buSzPct val="100000"/>
-              <a:buAutoNum type="arabicPeriod" startAt="1"/>
-              <a:defRPr sz="2200">
-                <a:latin typeface="Arial"/>
-                <a:ea typeface="Arial"/>
-                <a:cs typeface="Arial"/>
-                <a:sym typeface="Arial"/>
-              </a:defRPr>
-            </a:pPr>
-            <a:r>
-              <a:t>Advanced: Return the names of the cities, along with the total amount spent, where over $150 has been spent over the course of the resident’s membership. Order the results alphabetically on the city name</a:t>
-            </a:r>
-          </a:p>
-          <a:p>
-            <a:pPr marL="514350" indent="-514350">
-              <a:lnSpc>
-                <a:spcPct val="110000"/>
-              </a:lnSpc>
-              <a:spcBef>
-                <a:spcPts val="500"/>
-              </a:spcBef>
-              <a:buSzPct val="100000"/>
-              <a:buAutoNum type="arabicPeriod" startAt="1"/>
-              <a:defRPr sz="2200">
-                <a:latin typeface="Arial"/>
-                <a:ea typeface="Arial"/>
-                <a:cs typeface="Arial"/>
-                <a:sym typeface="Arial"/>
-              </a:defRPr>
-            </a:pPr>
-            <a:r>
-              <a:t>Return a table which counts the number of customers making a low, medium, or high value transaction. A low payment is anything under $3, a medium anything between $3 and $7, and a high order anything above $7.</a:t>
-            </a:r>
-          </a:p>
-        </p:txBody>
-      </p:sp>
-    </p:spTree>
-  </p:cSld>
-  <p:clrMapOvr>
-    <a:masterClrMapping/>
-  </p:clrMapOvr>
-  <p:transition xmlns:p14="http://schemas.microsoft.com/office/powerpoint/2010/main" spd="med" advClick="1"/>
-</p:sld>
-</file>
-
-<file path=ppt/slides/slide3.xml><?xml version="1.0" encoding="utf-8"?>
-<p:sld xmlns:a="http://schemas.openxmlformats.org/drawingml/2006/main" xmlns:r="http://schemas.openxmlformats.org/officeDocument/2006/relationships" xmlns:p="http://schemas.openxmlformats.org/presentationml/2006/main" xmlns:m="http://schemas.openxmlformats.org/officeDocument/2006/math" xmlns:a14="http://schemas.microsoft.com/office/drawing/2010/main" showMasterSp="1" showMasterPhAnim="1">
-  <p:cSld>
-    <p:bg>
-      <p:bgPr>
-        <a:solidFill>
-          <a:srgbClr val="EDDACC"/>
-        </a:solidFill>
-      </p:bgPr>
-    </p:bg>
-    <p:spTree>
-      <p:nvGrpSpPr>
-        <p:cNvPr id="1" name=""/>
-        <p:cNvGrpSpPr/>
-        <p:nvPr/>
-      </p:nvGrpSpPr>
-      <p:grpSpPr>
-        <a:xfrm>
-          <a:off x="0" y="0"/>
-          <a:ext cx="0" cy="0"/>
-          <a:chOff x="0" y="0"/>
-          <a:chExt cx="0" cy="0"/>
-        </a:xfrm>
-      </p:grpSpPr>
-      <p:pic>
-        <p:nvPicPr>
-          <p:cNvPr id="119" name="5f461d116006137.6059ac1f3a043.jpg" descr="5f461d116006137.6059ac1f3a043.jpg"/>
-          <p:cNvPicPr>
-            <a:picLocks noChangeAspect="1"/>
-          </p:cNvPicPr>
-          <p:nvPr/>
-        </p:nvPicPr>
-        <p:blipFill>
-          <a:blip r:embed="rId2">
-            <a:extLst/>
-          </a:blip>
-          <a:stretch>
-            <a:fillRect/>
-          </a:stretch>
-        </p:blipFill>
-        <p:spPr>
-          <a:xfrm>
-            <a:off x="-38625" y="-1281005"/>
-            <a:ext cx="12269250" cy="8179500"/>
-          </a:xfrm>
-          <a:prstGeom prst="rect">
-            <a:avLst/>
-          </a:prstGeom>
-          <a:ln w="12700">
-            <a:miter lim="400000"/>
-          </a:ln>
-        </p:spPr>
-      </p:pic>
-      <p:sp>
-        <p:nvSpPr>
-          <p:cNvPr id="120" name="Google Shape;55;p13"/>
+          <p:cNvPr id="117" name="Google Shape;55;p13"/>
           <p:cNvSpPr txBox="1"/>
           <p:nvPr>
             <p:ph type="title"/>
@@ -9134,7 +8357,7 @@
       </p:sp>
       <p:sp>
         <p:nvSpPr>
-          <p:cNvPr id="121" name="Google Shape;69;p14"/>
+          <p:cNvPr id="118" name="Google Shape;69;p14"/>
           <p:cNvSpPr txBox="1"/>
           <p:nvPr/>
         </p:nvSpPr>
@@ -9447,9 +8670,13 @@
   <p:cSld>
     <p:bg>
       <p:bgPr>
-        <a:solidFill>
-          <a:srgbClr val="EDDACC"/>
-        </a:solidFill>
+        <a:blipFill rotWithShape="1">
+          <a:blip r:embed="rId2"/>
+          <a:srcRect l="0" t="0" r="0" b="0"/>
+          <a:stretch>
+            <a:fillRect/>
+          </a:stretch>
+        </a:blipFill>
       </p:bgPr>
     </p:bg>
     <p:spTree>
@@ -9466,38 +8693,9 @@
           <a:chExt cx="0" cy="0"/>
         </a:xfrm>
       </p:grpSpPr>
-      <p:pic>
-        <p:nvPicPr>
-          <p:cNvPr id="123" name="5f461d116006137.6059ac1f3a043.jpg" descr="5f461d116006137.6059ac1f3a043.jpg"/>
-          <p:cNvPicPr>
-            <a:picLocks noChangeAspect="1"/>
-          </p:cNvPicPr>
-          <p:nvPr/>
-        </p:nvPicPr>
-        <p:blipFill>
-          <a:blip r:embed="rId2">
-            <a:extLst/>
-          </a:blip>
-          <a:stretch>
-            <a:fillRect/>
-          </a:stretch>
-        </p:blipFill>
-        <p:spPr>
-          <a:xfrm>
-            <a:off x="-38625" y="-1281005"/>
-            <a:ext cx="12269250" cy="8179500"/>
-          </a:xfrm>
-          <a:prstGeom prst="rect">
-            <a:avLst/>
-          </a:prstGeom>
-          <a:ln w="12700">
-            <a:miter lim="400000"/>
-          </a:ln>
-        </p:spPr>
-      </p:pic>
       <p:sp>
         <p:nvSpPr>
-          <p:cNvPr id="124" name="Google Shape;55;p13"/>
+          <p:cNvPr id="120" name="Google Shape;55;p13"/>
           <p:cNvSpPr txBox="1"/>
           <p:nvPr>
             <p:ph type="title"/>
@@ -9544,7 +8742,7 @@
       </p:sp>
       <p:sp>
         <p:nvSpPr>
-          <p:cNvPr id="125" name="Google Shape;69;p14"/>
+          <p:cNvPr id="121" name="Google Shape;69;p14"/>
           <p:cNvSpPr txBox="1"/>
           <p:nvPr/>
         </p:nvSpPr>
@@ -9735,9 +8933,13 @@
   <p:cSld>
     <p:bg>
       <p:bgPr>
-        <a:solidFill>
-          <a:srgbClr val="EDDACC"/>
-        </a:solidFill>
+        <a:blipFill rotWithShape="1">
+          <a:blip r:embed="rId2"/>
+          <a:srcRect l="0" t="0" r="0" b="0"/>
+          <a:stretch>
+            <a:fillRect/>
+          </a:stretch>
+        </a:blipFill>
       </p:bgPr>
     </p:bg>
     <p:spTree>
@@ -9754,38 +8956,9 @@
           <a:chExt cx="0" cy="0"/>
         </a:xfrm>
       </p:grpSpPr>
-      <p:pic>
-        <p:nvPicPr>
-          <p:cNvPr id="127" name="5f461d116006137.6059ac1f3a043.jpg" descr="5f461d116006137.6059ac1f3a043.jpg"/>
-          <p:cNvPicPr>
-            <a:picLocks noChangeAspect="1"/>
-          </p:cNvPicPr>
-          <p:nvPr/>
-        </p:nvPicPr>
-        <p:blipFill>
-          <a:blip r:embed="rId2">
-            <a:extLst/>
-          </a:blip>
-          <a:stretch>
-            <a:fillRect/>
-          </a:stretch>
-        </p:blipFill>
-        <p:spPr>
-          <a:xfrm>
-            <a:off x="-38625" y="-1281005"/>
-            <a:ext cx="12269250" cy="8179500"/>
-          </a:xfrm>
-          <a:prstGeom prst="rect">
-            <a:avLst/>
-          </a:prstGeom>
-          <a:ln w="12700">
-            <a:miter lim="400000"/>
-          </a:ln>
-        </p:spPr>
-      </p:pic>
       <p:sp>
         <p:nvSpPr>
-          <p:cNvPr id="128" name="Google Shape;55;p13"/>
+          <p:cNvPr id="123" name="Google Shape;55;p13"/>
           <p:cNvSpPr txBox="1"/>
           <p:nvPr>
             <p:ph type="title"/>
@@ -9832,7 +9005,7 @@
       </p:sp>
       <p:sp>
         <p:nvSpPr>
-          <p:cNvPr id="129" name="Google Shape;69;p14"/>
+          <p:cNvPr id="124" name="Google Shape;69;p14"/>
           <p:cNvSpPr txBox="1"/>
           <p:nvPr/>
         </p:nvSpPr>
@@ -10024,9 +9197,13 @@
   <p:cSld>
     <p:bg>
       <p:bgPr>
-        <a:solidFill>
-          <a:srgbClr val="EDDACC"/>
-        </a:solidFill>
+        <a:blipFill rotWithShape="1">
+          <a:blip r:embed="rId2"/>
+          <a:srcRect l="0" t="0" r="0" b="0"/>
+          <a:stretch>
+            <a:fillRect/>
+          </a:stretch>
+        </a:blipFill>
       </p:bgPr>
     </p:bg>
     <p:spTree>
@@ -10043,38 +9220,9 @@
           <a:chExt cx="0" cy="0"/>
         </a:xfrm>
       </p:grpSpPr>
-      <p:pic>
-        <p:nvPicPr>
-          <p:cNvPr id="131" name="5f461d116006137.6059ac1f3a043.jpg" descr="5f461d116006137.6059ac1f3a043.jpg"/>
-          <p:cNvPicPr>
-            <a:picLocks noChangeAspect="1"/>
-          </p:cNvPicPr>
-          <p:nvPr/>
-        </p:nvPicPr>
-        <p:blipFill>
-          <a:blip r:embed="rId2">
-            <a:extLst/>
-          </a:blip>
-          <a:stretch>
-            <a:fillRect/>
-          </a:stretch>
-        </p:blipFill>
-        <p:spPr>
-          <a:xfrm>
-            <a:off x="-38625" y="-1281005"/>
-            <a:ext cx="12269250" cy="8179500"/>
-          </a:xfrm>
-          <a:prstGeom prst="rect">
-            <a:avLst/>
-          </a:prstGeom>
-          <a:ln w="12700">
-            <a:miter lim="400000"/>
-          </a:ln>
-        </p:spPr>
-      </p:pic>
       <p:sp>
         <p:nvSpPr>
-          <p:cNvPr id="132" name="Google Shape;55;p13"/>
+          <p:cNvPr id="126" name="Google Shape;55;p13"/>
           <p:cNvSpPr txBox="1"/>
           <p:nvPr>
             <p:ph type="title"/>
@@ -10121,7 +9269,7 @@
       </p:sp>
       <p:sp>
         <p:nvSpPr>
-          <p:cNvPr id="133" name="Google Shape;69;p14"/>
+          <p:cNvPr id="127" name="Google Shape;69;p14"/>
           <p:cNvSpPr txBox="1"/>
           <p:nvPr/>
         </p:nvSpPr>
@@ -10341,9 +9489,13 @@
   <p:cSld>
     <p:bg>
       <p:bgPr>
-        <a:solidFill>
-          <a:srgbClr val="EDDACC"/>
-        </a:solidFill>
+        <a:blipFill rotWithShape="1">
+          <a:blip r:embed="rId2"/>
+          <a:srcRect l="0" t="0" r="0" b="0"/>
+          <a:stretch>
+            <a:fillRect/>
+          </a:stretch>
+        </a:blipFill>
       </p:bgPr>
     </p:bg>
     <p:spTree>
@@ -10360,38 +9512,9 @@
           <a:chExt cx="0" cy="0"/>
         </a:xfrm>
       </p:grpSpPr>
-      <p:pic>
-        <p:nvPicPr>
-          <p:cNvPr id="135" name="5f461d116006137.6059ac1f3a043.jpg" descr="5f461d116006137.6059ac1f3a043.jpg"/>
-          <p:cNvPicPr>
-            <a:picLocks noChangeAspect="1"/>
-          </p:cNvPicPr>
-          <p:nvPr/>
-        </p:nvPicPr>
-        <p:blipFill>
-          <a:blip r:embed="rId2">
-            <a:extLst/>
-          </a:blip>
-          <a:stretch>
-            <a:fillRect/>
-          </a:stretch>
-        </p:blipFill>
-        <p:spPr>
-          <a:xfrm>
-            <a:off x="-38625" y="-1281005"/>
-            <a:ext cx="12269250" cy="8179500"/>
-          </a:xfrm>
-          <a:prstGeom prst="rect">
-            <a:avLst/>
-          </a:prstGeom>
-          <a:ln w="12700">
-            <a:miter lim="400000"/>
-          </a:ln>
-        </p:spPr>
-      </p:pic>
       <p:sp>
         <p:nvSpPr>
-          <p:cNvPr id="136" name="Google Shape;55;p13"/>
+          <p:cNvPr id="129" name="Google Shape;55;p13"/>
           <p:cNvSpPr txBox="1"/>
           <p:nvPr>
             <p:ph type="title"/>
@@ -10438,7 +9561,7 @@
       </p:sp>
       <p:sp>
         <p:nvSpPr>
-          <p:cNvPr id="137" name="Google Shape;69;p14"/>
+          <p:cNvPr id="130" name="Google Shape;69;p14"/>
           <p:cNvSpPr txBox="1"/>
           <p:nvPr/>
         </p:nvSpPr>
@@ -10638,9 +9761,13 @@
   <p:cSld>
     <p:bg>
       <p:bgPr>
-        <a:solidFill>
-          <a:srgbClr val="EDDACC"/>
-        </a:solidFill>
+        <a:blipFill rotWithShape="1">
+          <a:blip r:embed="rId2"/>
+          <a:srcRect l="0" t="0" r="0" b="0"/>
+          <a:stretch>
+            <a:fillRect/>
+          </a:stretch>
+        </a:blipFill>
       </p:bgPr>
     </p:bg>
     <p:spTree>
@@ -10657,38 +9784,9 @@
           <a:chExt cx="0" cy="0"/>
         </a:xfrm>
       </p:grpSpPr>
-      <p:pic>
-        <p:nvPicPr>
-          <p:cNvPr id="139" name="5f461d116006137.6059ac1f3a043.jpg" descr="5f461d116006137.6059ac1f3a043.jpg"/>
-          <p:cNvPicPr>
-            <a:picLocks noChangeAspect="1"/>
-          </p:cNvPicPr>
-          <p:nvPr/>
-        </p:nvPicPr>
-        <p:blipFill>
-          <a:blip r:embed="rId2">
-            <a:extLst/>
-          </a:blip>
-          <a:stretch>
-            <a:fillRect/>
-          </a:stretch>
-        </p:blipFill>
-        <p:spPr>
-          <a:xfrm>
-            <a:off x="-38625" y="-1281005"/>
-            <a:ext cx="12269250" cy="8179500"/>
-          </a:xfrm>
-          <a:prstGeom prst="rect">
-            <a:avLst/>
-          </a:prstGeom>
-          <a:ln w="12700">
-            <a:miter lim="400000"/>
-          </a:ln>
-        </p:spPr>
-      </p:pic>
       <p:sp>
         <p:nvSpPr>
-          <p:cNvPr id="140" name="Google Shape;55;p13"/>
+          <p:cNvPr id="132" name="Google Shape;55;p13"/>
           <p:cNvSpPr txBox="1"/>
           <p:nvPr>
             <p:ph type="title"/>
@@ -10728,7 +9826,7 @@
       </p:sp>
       <p:sp>
         <p:nvSpPr>
-          <p:cNvPr id="141" name="Google Shape;69;p14"/>
+          <p:cNvPr id="133" name="Google Shape;69;p14"/>
           <p:cNvSpPr txBox="1"/>
           <p:nvPr/>
         </p:nvSpPr>
@@ -10798,9 +9896,13 @@
   <p:cSld>
     <p:bg>
       <p:bgPr>
-        <a:solidFill>
-          <a:srgbClr val="EDDACC"/>
-        </a:solidFill>
+        <a:blipFill rotWithShape="1">
+          <a:blip r:embed="rId2"/>
+          <a:srcRect l="0" t="0" r="0" b="0"/>
+          <a:stretch>
+            <a:fillRect/>
+          </a:stretch>
+        </a:blipFill>
       </p:bgPr>
     </p:bg>
     <p:spTree>
@@ -10817,38 +9919,9 @@
           <a:chExt cx="0" cy="0"/>
         </a:xfrm>
       </p:grpSpPr>
-      <p:pic>
-        <p:nvPicPr>
-          <p:cNvPr id="143" name="5f461d116006137.6059ac1f3a043.jpg" descr="5f461d116006137.6059ac1f3a043.jpg"/>
-          <p:cNvPicPr>
-            <a:picLocks noChangeAspect="1"/>
-          </p:cNvPicPr>
-          <p:nvPr/>
-        </p:nvPicPr>
-        <p:blipFill>
-          <a:blip r:embed="rId2">
-            <a:extLst/>
-          </a:blip>
-          <a:stretch>
-            <a:fillRect/>
-          </a:stretch>
-        </p:blipFill>
-        <p:spPr>
-          <a:xfrm>
-            <a:off x="-38625" y="-1281005"/>
-            <a:ext cx="12269250" cy="8179500"/>
-          </a:xfrm>
-          <a:prstGeom prst="rect">
-            <a:avLst/>
-          </a:prstGeom>
-          <a:ln w="12700">
-            <a:miter lim="400000"/>
-          </a:ln>
-        </p:spPr>
-      </p:pic>
       <p:sp>
         <p:nvSpPr>
-          <p:cNvPr id="144" name="Google Shape;55;p13"/>
+          <p:cNvPr id="135" name="Google Shape;55;p13"/>
           <p:cNvSpPr txBox="1"/>
           <p:nvPr>
             <p:ph type="title"/>
@@ -10895,7 +9968,7 @@
       </p:sp>
       <p:sp>
         <p:nvSpPr>
-          <p:cNvPr id="145" name="Google Shape;69;p14"/>
+          <p:cNvPr id="136" name="Google Shape;69;p14"/>
           <p:cNvSpPr txBox="1"/>
           <p:nvPr/>
         </p:nvSpPr>
